--- a/PPTX/Card-IG-2024.pptx
+++ b/PPTX/Card-IG-2024.pptx
@@ -105,6 +105,11 @@
       </a:defRPr>
     </a:lvl9pPr>
   </p:defaultTextStyle>
+  <p:extLst>
+    <p:ext uri="{EFAFB233-063F-42B5-8137-9DF3F51BA10A}">
+      <p15:sldGuideLst xmlns:p15="http://schemas.microsoft.com/office/powerpoint/2012/main"/>
+    </p:ext>
+  </p:extLst>
 </p:presentation>
 </file>
 
@@ -257,7 +262,7 @@
           <a:p>
             <a:fld id="{022F249F-DEC2-440D-B75B-0CB36B3956EE}" type="datetimeFigureOut">
               <a:rPr kumimoji="1" lang="ja-JP" altLang="en-US" smtClean="0"/>
-              <a:t>2024/5/22</a:t>
+              <a:t>2024/5/24</a:t>
             </a:fld>
             <a:endParaRPr kumimoji="1" lang="ja-JP" altLang="en-US"/>
           </a:p>
@@ -457,7 +462,7 @@
           <a:p>
             <a:fld id="{022F249F-DEC2-440D-B75B-0CB36B3956EE}" type="datetimeFigureOut">
               <a:rPr kumimoji="1" lang="ja-JP" altLang="en-US" smtClean="0"/>
-              <a:t>2024/5/22</a:t>
+              <a:t>2024/5/24</a:t>
             </a:fld>
             <a:endParaRPr kumimoji="1" lang="ja-JP" altLang="en-US"/>
           </a:p>
@@ -667,7 +672,7 @@
           <a:p>
             <a:fld id="{022F249F-DEC2-440D-B75B-0CB36B3956EE}" type="datetimeFigureOut">
               <a:rPr kumimoji="1" lang="ja-JP" altLang="en-US" smtClean="0"/>
-              <a:t>2024/5/22</a:t>
+              <a:t>2024/5/24</a:t>
             </a:fld>
             <a:endParaRPr kumimoji="1" lang="ja-JP" altLang="en-US"/>
           </a:p>
@@ -867,7 +872,7 @@
           <a:p>
             <a:fld id="{022F249F-DEC2-440D-B75B-0CB36B3956EE}" type="datetimeFigureOut">
               <a:rPr kumimoji="1" lang="ja-JP" altLang="en-US" smtClean="0"/>
-              <a:t>2024/5/22</a:t>
+              <a:t>2024/5/24</a:t>
             </a:fld>
             <a:endParaRPr kumimoji="1" lang="ja-JP" altLang="en-US"/>
           </a:p>
@@ -1143,7 +1148,7 @@
           <a:p>
             <a:fld id="{022F249F-DEC2-440D-B75B-0CB36B3956EE}" type="datetimeFigureOut">
               <a:rPr kumimoji="1" lang="ja-JP" altLang="en-US" smtClean="0"/>
-              <a:t>2024/5/22</a:t>
+              <a:t>2024/5/24</a:t>
             </a:fld>
             <a:endParaRPr kumimoji="1" lang="ja-JP" altLang="en-US"/>
           </a:p>
@@ -1411,7 +1416,7 @@
           <a:p>
             <a:fld id="{022F249F-DEC2-440D-B75B-0CB36B3956EE}" type="datetimeFigureOut">
               <a:rPr kumimoji="1" lang="ja-JP" altLang="en-US" smtClean="0"/>
-              <a:t>2024/5/22</a:t>
+              <a:t>2024/5/24</a:t>
             </a:fld>
             <a:endParaRPr kumimoji="1" lang="ja-JP" altLang="en-US"/>
           </a:p>
@@ -1826,7 +1831,7 @@
           <a:p>
             <a:fld id="{022F249F-DEC2-440D-B75B-0CB36B3956EE}" type="datetimeFigureOut">
               <a:rPr kumimoji="1" lang="ja-JP" altLang="en-US" smtClean="0"/>
-              <a:t>2024/5/22</a:t>
+              <a:t>2024/5/24</a:t>
             </a:fld>
             <a:endParaRPr kumimoji="1" lang="ja-JP" altLang="en-US"/>
           </a:p>
@@ -1968,7 +1973,7 @@
           <a:p>
             <a:fld id="{022F249F-DEC2-440D-B75B-0CB36B3956EE}" type="datetimeFigureOut">
               <a:rPr kumimoji="1" lang="ja-JP" altLang="en-US" smtClean="0"/>
-              <a:t>2024/5/22</a:t>
+              <a:t>2024/5/24</a:t>
             </a:fld>
             <a:endParaRPr kumimoji="1" lang="ja-JP" altLang="en-US"/>
           </a:p>
@@ -2081,7 +2086,7 @@
           <a:p>
             <a:fld id="{022F249F-DEC2-440D-B75B-0CB36B3956EE}" type="datetimeFigureOut">
               <a:rPr kumimoji="1" lang="ja-JP" altLang="en-US" smtClean="0"/>
-              <a:t>2024/5/22</a:t>
+              <a:t>2024/5/24</a:t>
             </a:fld>
             <a:endParaRPr kumimoji="1" lang="ja-JP" altLang="en-US"/>
           </a:p>
@@ -2394,7 +2399,7 @@
           <a:p>
             <a:fld id="{022F249F-DEC2-440D-B75B-0CB36B3956EE}" type="datetimeFigureOut">
               <a:rPr kumimoji="1" lang="ja-JP" altLang="en-US" smtClean="0"/>
-              <a:t>2024/5/22</a:t>
+              <a:t>2024/5/24</a:t>
             </a:fld>
             <a:endParaRPr kumimoji="1" lang="ja-JP" altLang="en-US"/>
           </a:p>
@@ -2683,7 +2688,7 @@
           <a:p>
             <a:fld id="{022F249F-DEC2-440D-B75B-0CB36B3956EE}" type="datetimeFigureOut">
               <a:rPr kumimoji="1" lang="ja-JP" altLang="en-US" smtClean="0"/>
-              <a:t>2024/5/22</a:t>
+              <a:t>2024/5/24</a:t>
             </a:fld>
             <a:endParaRPr kumimoji="1" lang="ja-JP" altLang="en-US"/>
           </a:p>
@@ -2926,7 +2931,7 @@
           <a:p>
             <a:fld id="{022F249F-DEC2-440D-B75B-0CB36B3956EE}" type="datetimeFigureOut">
               <a:rPr kumimoji="1" lang="ja-JP" altLang="en-US" smtClean="0"/>
-              <a:t>2024/5/22</a:t>
+              <a:t>2024/5/24</a:t>
             </a:fld>
             <a:endParaRPr kumimoji="1" lang="ja-JP" altLang="en-US"/>
           </a:p>
@@ -3343,56 +3348,306 @@
           <a:chExt cx="0" cy="0"/>
         </a:xfrm>
       </p:grpSpPr>
-      <p:sp>
-        <p:nvSpPr>
-          <p:cNvPr id="2" name="Title 1">
-            <a:extLst>
-              <a:ext uri="{FF2B5EF4-FFF2-40B4-BE49-F238E27FC236}">
-                <a16:creationId xmlns:a16="http://schemas.microsoft.com/office/drawing/2014/main" id="{52D087C8-4145-749D-1EB2-A8578B9234B7}"/>
-              </a:ext>
-            </a:extLst>
-          </p:cNvPr>
-          <p:cNvSpPr>
-            <a:spLocks noGrp="1"/>
-          </p:cNvSpPr>
-          <p:nvPr>
-            <p:ph type="ctrTitle"/>
-          </p:nvPr>
-        </p:nvSpPr>
-        <p:spPr/>
-        <p:txBody>
-          <a:bodyPr/>
-          <a:lstStyle/>
-          <a:p>
-            <a:endParaRPr kumimoji="1" lang="ja-JP" altLang="en-US"/>
-          </a:p>
-        </p:txBody>
-      </p:sp>
-      <p:sp>
-        <p:nvSpPr>
-          <p:cNvPr id="3" name="Subtitle 2">
-            <a:extLst>
-              <a:ext uri="{FF2B5EF4-FFF2-40B4-BE49-F238E27FC236}">
-                <a16:creationId xmlns:a16="http://schemas.microsoft.com/office/drawing/2014/main" id="{7C2B3C46-36D0-9B8D-D11C-DE80E382AB25}"/>
-              </a:ext>
-            </a:extLst>
-          </p:cNvPr>
-          <p:cNvSpPr>
-            <a:spLocks noGrp="1"/>
-          </p:cNvSpPr>
-          <p:nvPr>
-            <p:ph type="subTitle" idx="1"/>
-          </p:nvPr>
-        </p:nvSpPr>
-        <p:spPr/>
-        <p:txBody>
-          <a:bodyPr/>
-          <a:lstStyle/>
-          <a:p>
-            <a:endParaRPr kumimoji="1" lang="ja-JP" altLang="en-US"/>
-          </a:p>
-        </p:txBody>
-      </p:sp>
+      <p:pic>
+        <p:nvPicPr>
+          <p:cNvPr id="5" name="Picture 4">
+            <a:extLst>
+              <a:ext uri="{FF2B5EF4-FFF2-40B4-BE49-F238E27FC236}">
+                <a16:creationId xmlns:a16="http://schemas.microsoft.com/office/drawing/2014/main" id="{F2B1454A-AAA7-72A9-F659-F2B1F9554428}"/>
+              </a:ext>
+            </a:extLst>
+          </p:cNvPr>
+          <p:cNvPicPr>
+            <a:picLocks noChangeAspect="1"/>
+          </p:cNvPicPr>
+          <p:nvPr/>
+        </p:nvPicPr>
+        <p:blipFill>
+          <a:blip r:embed="rId2"/>
+          <a:stretch>
+            <a:fillRect/>
+          </a:stretch>
+        </p:blipFill>
+        <p:spPr>
+          <a:xfrm>
+            <a:off x="95043" y="195779"/>
+            <a:ext cx="4599516" cy="2044769"/>
+          </a:xfrm>
+          <a:prstGeom prst="rect">
+            <a:avLst/>
+          </a:prstGeom>
+        </p:spPr>
+      </p:pic>
+      <p:pic>
+        <p:nvPicPr>
+          <p:cNvPr id="7" name="Picture 6">
+            <a:extLst>
+              <a:ext uri="{FF2B5EF4-FFF2-40B4-BE49-F238E27FC236}">
+                <a16:creationId xmlns:a16="http://schemas.microsoft.com/office/drawing/2014/main" id="{BA959003-32BB-4629-0354-E65D84A134AD}"/>
+              </a:ext>
+            </a:extLst>
+          </p:cNvPr>
+          <p:cNvPicPr>
+            <a:picLocks noChangeAspect="1"/>
+          </p:cNvPicPr>
+          <p:nvPr/>
+        </p:nvPicPr>
+        <p:blipFill>
+          <a:blip r:embed="rId3"/>
+          <a:stretch>
+            <a:fillRect/>
+          </a:stretch>
+        </p:blipFill>
+        <p:spPr>
+          <a:xfrm>
+            <a:off x="4874216" y="455357"/>
+            <a:ext cx="3554919" cy="1525612"/>
+          </a:xfrm>
+          <a:prstGeom prst="rect">
+            <a:avLst/>
+          </a:prstGeom>
+        </p:spPr>
+      </p:pic>
+      <p:pic>
+        <p:nvPicPr>
+          <p:cNvPr id="9" name="Picture 8">
+            <a:extLst>
+              <a:ext uri="{FF2B5EF4-FFF2-40B4-BE49-F238E27FC236}">
+                <a16:creationId xmlns:a16="http://schemas.microsoft.com/office/drawing/2014/main" id="{7D6A0886-6F24-A24D-8884-56F86CAF7705}"/>
+              </a:ext>
+            </a:extLst>
+          </p:cNvPr>
+          <p:cNvPicPr>
+            <a:picLocks noChangeAspect="1"/>
+          </p:cNvPicPr>
+          <p:nvPr/>
+        </p:nvPicPr>
+        <p:blipFill>
+          <a:blip r:embed="rId4"/>
+          <a:stretch>
+            <a:fillRect/>
+          </a:stretch>
+        </p:blipFill>
+        <p:spPr>
+          <a:xfrm>
+            <a:off x="8608793" y="195779"/>
+            <a:ext cx="3267756" cy="2056994"/>
+          </a:xfrm>
+          <a:prstGeom prst="rect">
+            <a:avLst/>
+          </a:prstGeom>
+        </p:spPr>
+      </p:pic>
+      <p:pic>
+        <p:nvPicPr>
+          <p:cNvPr id="11" name="Picture 10">
+            <a:extLst>
+              <a:ext uri="{FF2B5EF4-FFF2-40B4-BE49-F238E27FC236}">
+                <a16:creationId xmlns:a16="http://schemas.microsoft.com/office/drawing/2014/main" id="{DE6CA116-032D-C80A-0192-E92006A80D8C}"/>
+              </a:ext>
+            </a:extLst>
+          </p:cNvPr>
+          <p:cNvPicPr>
+            <a:picLocks noChangeAspect="1"/>
+          </p:cNvPicPr>
+          <p:nvPr/>
+        </p:nvPicPr>
+        <p:blipFill>
+          <a:blip r:embed="rId5"/>
+          <a:stretch>
+            <a:fillRect/>
+          </a:stretch>
+        </p:blipFill>
+        <p:spPr>
+          <a:xfrm>
+            <a:off x="4987295" y="2240548"/>
+            <a:ext cx="4660981" cy="2522872"/>
+          </a:xfrm>
+          <a:prstGeom prst="rect">
+            <a:avLst/>
+          </a:prstGeom>
+        </p:spPr>
+      </p:pic>
+      <p:pic>
+        <p:nvPicPr>
+          <p:cNvPr id="13" name="Picture 12">
+            <a:extLst>
+              <a:ext uri="{FF2B5EF4-FFF2-40B4-BE49-F238E27FC236}">
+                <a16:creationId xmlns:a16="http://schemas.microsoft.com/office/drawing/2014/main" id="{085E979B-90C3-D018-3DC5-666FD0CC3075}"/>
+              </a:ext>
+            </a:extLst>
+          </p:cNvPr>
+          <p:cNvPicPr>
+            <a:picLocks noChangeAspect="1"/>
+          </p:cNvPicPr>
+          <p:nvPr/>
+        </p:nvPicPr>
+        <p:blipFill>
+          <a:blip r:embed="rId6"/>
+          <a:stretch>
+            <a:fillRect/>
+          </a:stretch>
+        </p:blipFill>
+        <p:spPr>
+          <a:xfrm>
+            <a:off x="139590" y="2240548"/>
+            <a:ext cx="4933950" cy="2295525"/>
+          </a:xfrm>
+          <a:prstGeom prst="rect">
+            <a:avLst/>
+          </a:prstGeom>
+        </p:spPr>
+      </p:pic>
+      <p:pic>
+        <p:nvPicPr>
+          <p:cNvPr id="15" name="Picture 14">
+            <a:extLst>
+              <a:ext uri="{FF2B5EF4-FFF2-40B4-BE49-F238E27FC236}">
+                <a16:creationId xmlns:a16="http://schemas.microsoft.com/office/drawing/2014/main" id="{2CA9BFFC-6A0E-0E90-A882-D7769FF66E6C}"/>
+              </a:ext>
+            </a:extLst>
+          </p:cNvPr>
+          <p:cNvPicPr>
+            <a:picLocks noChangeAspect="1"/>
+          </p:cNvPicPr>
+          <p:nvPr/>
+        </p:nvPicPr>
+        <p:blipFill>
+          <a:blip r:embed="rId7"/>
+          <a:stretch>
+            <a:fillRect/>
+          </a:stretch>
+        </p:blipFill>
+        <p:spPr>
+          <a:xfrm>
+            <a:off x="415274" y="4536073"/>
+            <a:ext cx="4458942" cy="2246844"/>
+          </a:xfrm>
+          <a:prstGeom prst="rect">
+            <a:avLst/>
+          </a:prstGeom>
+        </p:spPr>
+      </p:pic>
+      <p:pic>
+        <p:nvPicPr>
+          <p:cNvPr id="17" name="Picture 16">
+            <a:extLst>
+              <a:ext uri="{FF2B5EF4-FFF2-40B4-BE49-F238E27FC236}">
+                <a16:creationId xmlns:a16="http://schemas.microsoft.com/office/drawing/2014/main" id="{02436FD6-A44E-4965-10EC-425BD5E66870}"/>
+              </a:ext>
+            </a:extLst>
+          </p:cNvPr>
+          <p:cNvPicPr>
+            <a:picLocks noChangeAspect="1"/>
+          </p:cNvPicPr>
+          <p:nvPr/>
+        </p:nvPicPr>
+        <p:blipFill>
+          <a:blip r:embed="rId8"/>
+          <a:stretch>
+            <a:fillRect/>
+          </a:stretch>
+        </p:blipFill>
+        <p:spPr>
+          <a:xfrm>
+            <a:off x="4874216" y="4886356"/>
+            <a:ext cx="5144427" cy="1942284"/>
+          </a:xfrm>
+          <a:prstGeom prst="rect">
+            <a:avLst/>
+          </a:prstGeom>
+        </p:spPr>
+      </p:pic>
+      <p:pic>
+        <p:nvPicPr>
+          <p:cNvPr id="19" name="Picture 18">
+            <a:extLst>
+              <a:ext uri="{FF2B5EF4-FFF2-40B4-BE49-F238E27FC236}">
+                <a16:creationId xmlns:a16="http://schemas.microsoft.com/office/drawing/2014/main" id="{ED10453A-3792-C8F1-48E0-8CC5D1D8089E}"/>
+              </a:ext>
+            </a:extLst>
+          </p:cNvPr>
+          <p:cNvPicPr>
+            <a:picLocks noChangeAspect="1"/>
+          </p:cNvPicPr>
+          <p:nvPr/>
+        </p:nvPicPr>
+        <p:blipFill>
+          <a:blip r:embed="rId9"/>
+          <a:stretch>
+            <a:fillRect/>
+          </a:stretch>
+        </p:blipFill>
+        <p:spPr>
+          <a:xfrm>
+            <a:off x="9761355" y="2252773"/>
+            <a:ext cx="2320166" cy="2352455"/>
+          </a:xfrm>
+          <a:prstGeom prst="rect">
+            <a:avLst/>
+          </a:prstGeom>
+        </p:spPr>
+      </p:pic>
+      <p:pic>
+        <p:nvPicPr>
+          <p:cNvPr id="21" name="Picture 20">
+            <a:extLst>
+              <a:ext uri="{FF2B5EF4-FFF2-40B4-BE49-F238E27FC236}">
+                <a16:creationId xmlns:a16="http://schemas.microsoft.com/office/drawing/2014/main" id="{CFCF706C-D174-A82E-B7AA-C27AFAE372F8}"/>
+              </a:ext>
+            </a:extLst>
+          </p:cNvPr>
+          <p:cNvPicPr>
+            <a:picLocks noChangeAspect="1"/>
+          </p:cNvPicPr>
+          <p:nvPr/>
+        </p:nvPicPr>
+        <p:blipFill>
+          <a:blip r:embed="rId10"/>
+          <a:stretch>
+            <a:fillRect/>
+          </a:stretch>
+        </p:blipFill>
+        <p:spPr>
+          <a:xfrm>
+            <a:off x="9941012" y="4605228"/>
+            <a:ext cx="2011846" cy="988337"/>
+          </a:xfrm>
+          <a:prstGeom prst="rect">
+            <a:avLst/>
+          </a:prstGeom>
+        </p:spPr>
+      </p:pic>
+      <p:pic>
+        <p:nvPicPr>
+          <p:cNvPr id="23" name="Picture 22">
+            <a:extLst>
+              <a:ext uri="{FF2B5EF4-FFF2-40B4-BE49-F238E27FC236}">
+                <a16:creationId xmlns:a16="http://schemas.microsoft.com/office/drawing/2014/main" id="{FD89EF99-F24E-FEE3-76F2-D34D1D8ADD73}"/>
+              </a:ext>
+            </a:extLst>
+          </p:cNvPr>
+          <p:cNvPicPr>
+            <a:picLocks noChangeAspect="1"/>
+          </p:cNvPicPr>
+          <p:nvPr/>
+        </p:nvPicPr>
+        <p:blipFill>
+          <a:blip r:embed="rId11"/>
+          <a:stretch>
+            <a:fillRect/>
+          </a:stretch>
+        </p:blipFill>
+        <p:spPr>
+          <a:xfrm>
+            <a:off x="10277061" y="5658711"/>
+            <a:ext cx="1417983" cy="1199289"/>
+          </a:xfrm>
+          <a:prstGeom prst="rect">
+            <a:avLst/>
+          </a:prstGeom>
+        </p:spPr>
+      </p:pic>
     </p:spTree>
     <p:extLst>
       <p:ext uri="{BB962C8B-B14F-4D97-AF65-F5344CB8AC3E}">
